--- a/XJTU/形式化验证和Lean.pptx
+++ b/XJTU/形式化验证和Lean.pptx
@@ -5,10 +5,10 @@
     <p:sldMasterId id="2147483648" r:id="rId4"/>
   </p:sldMasterIdLst>
   <p:notesMasterIdLst>
-    <p:notesMasterId r:id="rId26"/>
+    <p:notesMasterId r:id="rId27"/>
   </p:notesMasterIdLst>
   <p:handoutMasterIdLst>
-    <p:handoutMasterId r:id="rId27"/>
+    <p:handoutMasterId r:id="rId28"/>
   </p:handoutMasterIdLst>
   <p:sldIdLst>
     <p:sldId id="256" r:id="rId5"/>
@@ -32,6 +32,7 @@
     <p:sldId id="297" r:id="rId23"/>
     <p:sldId id="298" r:id="rId24"/>
     <p:sldId id="300" r:id="rId25"/>
+    <p:sldId id="301" r:id="rId26"/>
   </p:sldIdLst>
   <p:sldSz cx="12192000" cy="6858000"/>
   <p:notesSz cx="6858000" cy="9144000"/>
@@ -2888,13 +2889,13 @@
   <p:clrMapOvr>
     <a:masterClrMapping/>
   </p:clrMapOvr>
-  <mc:AlternateContent xmlns:mc="http://schemas.openxmlformats.org/markup-compatibility/2006">
-    <mc:Choice xmlns:p159="http://schemas.microsoft.com/office/powerpoint/2015/09/main" Requires="p159">
+  <mc:AlternateContent xmlns:mc="http://schemas.openxmlformats.org/markup-compatibility/2006" xmlns:p159="http://schemas.microsoft.com/office/powerpoint/2015/09/main">
+    <mc:Choice Requires="p159">
       <p:transition xmlns:p14="http://schemas.microsoft.com/office/powerpoint/2010/main" spd="slow" p14:dur="2000">
         <p159:morph option="byWord"/>
       </p:transition>
     </mc:Choice>
-    <mc:Fallback>
+    <mc:Fallback xmlns="">
       <p:transition spd="slow">
         <p:fade/>
       </p:transition>
@@ -3329,13 +3330,13 @@
   <p:clrMapOvr>
     <a:overrideClrMapping bg1="lt1" tx1="dk1" bg2="lt2" tx2="dk2" accent1="accent1" accent2="accent2" accent3="accent3" accent4="accent4" accent5="accent5" accent6="accent6" hlink="hlink" folHlink="folHlink"/>
   </p:clrMapOvr>
-  <mc:AlternateContent xmlns:mc="http://schemas.openxmlformats.org/markup-compatibility/2006">
-    <mc:Choice xmlns:p159="http://schemas.microsoft.com/office/powerpoint/2015/09/main" Requires="p159">
+  <mc:AlternateContent xmlns:mc="http://schemas.openxmlformats.org/markup-compatibility/2006" xmlns:p159="http://schemas.microsoft.com/office/powerpoint/2015/09/main">
+    <mc:Choice Requires="p159">
       <p:transition xmlns:p14="http://schemas.microsoft.com/office/powerpoint/2010/main" spd="slow" p14:dur="2000">
         <p159:morph option="byWord"/>
       </p:transition>
     </mc:Choice>
-    <mc:Fallback>
+    <mc:Fallback xmlns="">
       <p:transition spd="slow">
         <p:fade/>
       </p:transition>
@@ -3919,13 +3920,13 @@
   <p:clrMapOvr>
     <a:masterClrMapping/>
   </p:clrMapOvr>
-  <mc:AlternateContent xmlns:mc="http://schemas.openxmlformats.org/markup-compatibility/2006">
-    <mc:Choice xmlns:p159="http://schemas.microsoft.com/office/powerpoint/2015/09/main" Requires="p159">
+  <mc:AlternateContent xmlns:mc="http://schemas.openxmlformats.org/markup-compatibility/2006" xmlns:p159="http://schemas.microsoft.com/office/powerpoint/2015/09/main">
+    <mc:Choice Requires="p159">
       <p:transition xmlns:p14="http://schemas.microsoft.com/office/powerpoint/2010/main" spd="slow" p14:dur="2000">
         <p159:morph option="byWord"/>
       </p:transition>
     </mc:Choice>
-    <mc:Fallback>
+    <mc:Fallback xmlns="">
       <p:transition spd="slow">
         <p:fade/>
       </p:transition>
@@ -4243,13 +4244,13 @@
   <p:clrMapOvr>
     <a:overrideClrMapping bg1="lt1" tx1="dk1" bg2="lt2" tx2="dk2" accent1="accent1" accent2="accent2" accent3="accent3" accent4="accent4" accent5="accent5" accent6="accent6" hlink="hlink" folHlink="folHlink"/>
   </p:clrMapOvr>
-  <mc:AlternateContent xmlns:mc="http://schemas.openxmlformats.org/markup-compatibility/2006">
-    <mc:Choice xmlns:p159="http://schemas.microsoft.com/office/powerpoint/2015/09/main" Requires="p159">
+  <mc:AlternateContent xmlns:mc="http://schemas.openxmlformats.org/markup-compatibility/2006" xmlns:p159="http://schemas.microsoft.com/office/powerpoint/2015/09/main">
+    <mc:Choice Requires="p159">
       <p:transition xmlns:p14="http://schemas.microsoft.com/office/powerpoint/2010/main" spd="slow" p14:dur="2000">
         <p159:morph option="byWord"/>
       </p:transition>
     </mc:Choice>
-    <mc:Fallback>
+    <mc:Fallback xmlns="">
       <p:transition spd="slow">
         <p:fade/>
       </p:transition>
@@ -4534,13 +4535,13 @@
   <p:clrMapOvr>
     <a:masterClrMapping/>
   </p:clrMapOvr>
-  <mc:AlternateContent xmlns:mc="http://schemas.openxmlformats.org/markup-compatibility/2006">
-    <mc:Choice xmlns:p159="http://schemas.microsoft.com/office/powerpoint/2015/09/main" Requires="p159">
+  <mc:AlternateContent xmlns:mc="http://schemas.openxmlformats.org/markup-compatibility/2006" xmlns:p159="http://schemas.microsoft.com/office/powerpoint/2015/09/main">
+    <mc:Choice Requires="p159">
       <p:transition xmlns:p14="http://schemas.microsoft.com/office/powerpoint/2010/main" spd="slow" p14:dur="2000">
         <p159:morph option="byWord"/>
       </p:transition>
     </mc:Choice>
-    <mc:Fallback>
+    <mc:Fallback xmlns="">
       <p:transition spd="slow">
         <p:fade/>
       </p:transition>
@@ -4879,13 +4880,13 @@
   <p:clrMapOvr>
     <a:masterClrMapping/>
   </p:clrMapOvr>
-  <mc:AlternateContent xmlns:mc="http://schemas.openxmlformats.org/markup-compatibility/2006">
-    <mc:Choice xmlns:p159="http://schemas.microsoft.com/office/powerpoint/2015/09/main" Requires="p159">
+  <mc:AlternateContent xmlns:mc="http://schemas.openxmlformats.org/markup-compatibility/2006" xmlns:p159="http://schemas.microsoft.com/office/powerpoint/2015/09/main">
+    <mc:Choice Requires="p159">
       <p:transition xmlns:p14="http://schemas.microsoft.com/office/powerpoint/2010/main" spd="slow" p14:dur="2000">
         <p159:morph option="byWord"/>
       </p:transition>
     </mc:Choice>
-    <mc:Fallback>
+    <mc:Fallback xmlns="">
       <p:transition spd="slow">
         <p:fade/>
       </p:transition>
@@ -5083,13 +5084,13 @@
   <p:clrMapOvr>
     <a:masterClrMapping/>
   </p:clrMapOvr>
-  <mc:AlternateContent xmlns:mc="http://schemas.openxmlformats.org/markup-compatibility/2006">
-    <mc:Choice xmlns:p159="http://schemas.microsoft.com/office/powerpoint/2015/09/main" Requires="p159">
+  <mc:AlternateContent xmlns:mc="http://schemas.openxmlformats.org/markup-compatibility/2006" xmlns:p159="http://schemas.microsoft.com/office/powerpoint/2015/09/main">
+    <mc:Choice Requires="p159">
       <p:transition xmlns:p14="http://schemas.microsoft.com/office/powerpoint/2010/main" spd="slow" p14:dur="2000">
         <p159:morph option="byWord"/>
       </p:transition>
     </mc:Choice>
-    <mc:Fallback>
+    <mc:Fallback xmlns="">
       <p:transition spd="slow">
         <p:fade/>
       </p:transition>
@@ -5353,13 +5354,13 @@
   <p:clrMapOvr>
     <a:masterClrMapping/>
   </p:clrMapOvr>
-  <mc:AlternateContent xmlns:mc="http://schemas.openxmlformats.org/markup-compatibility/2006">
-    <mc:Choice xmlns:p159="http://schemas.microsoft.com/office/powerpoint/2015/09/main" Requires="p159">
+  <mc:AlternateContent xmlns:mc="http://schemas.openxmlformats.org/markup-compatibility/2006" xmlns:p159="http://schemas.microsoft.com/office/powerpoint/2015/09/main">
+    <mc:Choice Requires="p159">
       <p:transition xmlns:p14="http://schemas.microsoft.com/office/powerpoint/2010/main" spd="slow" p14:dur="2000">
         <p159:morph option="byWord"/>
       </p:transition>
     </mc:Choice>
-    <mc:Fallback>
+    <mc:Fallback xmlns="">
       <p:transition spd="slow">
         <p:fade/>
       </p:transition>
@@ -5791,13 +5792,13 @@
   <p:clrMapOvr>
     <a:masterClrMapping/>
   </p:clrMapOvr>
-  <mc:AlternateContent xmlns:mc="http://schemas.openxmlformats.org/markup-compatibility/2006">
-    <mc:Choice xmlns:p159="http://schemas.microsoft.com/office/powerpoint/2015/09/main" Requires="p159">
+  <mc:AlternateContent xmlns:mc="http://schemas.openxmlformats.org/markup-compatibility/2006" xmlns:p159="http://schemas.microsoft.com/office/powerpoint/2015/09/main">
+    <mc:Choice Requires="p159">
       <p:transition xmlns:p14="http://schemas.microsoft.com/office/powerpoint/2010/main" spd="slow" p14:dur="2000">
         <p159:morph option="byWord"/>
       </p:transition>
     </mc:Choice>
-    <mc:Fallback>
+    <mc:Fallback xmlns="">
       <p:transition spd="slow">
         <p:fade/>
       </p:transition>
@@ -5924,13 +5925,13 @@
   <p:clrMapOvr>
     <a:masterClrMapping/>
   </p:clrMapOvr>
-  <mc:AlternateContent xmlns:mc="http://schemas.openxmlformats.org/markup-compatibility/2006">
-    <mc:Choice xmlns:p159="http://schemas.microsoft.com/office/powerpoint/2015/09/main" Requires="p159">
+  <mc:AlternateContent xmlns:mc="http://schemas.openxmlformats.org/markup-compatibility/2006" xmlns:p159="http://schemas.microsoft.com/office/powerpoint/2015/09/main">
+    <mc:Choice Requires="p159">
       <p:transition xmlns:p14="http://schemas.microsoft.com/office/powerpoint/2010/main" spd="slow" p14:dur="2000">
         <p159:morph option="byWord"/>
       </p:transition>
     </mc:Choice>
-    <mc:Fallback>
+    <mc:Fallback xmlns="">
       <p:transition spd="slow">
         <p:fade/>
       </p:transition>
@@ -6531,13 +6532,13 @@
   <p:clrMapOvr>
     <a:masterClrMapping/>
   </p:clrMapOvr>
-  <mc:AlternateContent xmlns:mc="http://schemas.openxmlformats.org/markup-compatibility/2006">
-    <mc:Choice xmlns:p159="http://schemas.microsoft.com/office/powerpoint/2015/09/main" Requires="p159">
+  <mc:AlternateContent xmlns:mc="http://schemas.openxmlformats.org/markup-compatibility/2006" xmlns:p159="http://schemas.microsoft.com/office/powerpoint/2015/09/main">
+    <mc:Choice Requires="p159">
       <p:transition xmlns:p14="http://schemas.microsoft.com/office/powerpoint/2010/main" spd="slow" p14:dur="2000">
         <p159:morph option="byWord"/>
       </p:transition>
     </mc:Choice>
-    <mc:Fallback>
+    <mc:Fallback xmlns="">
       <p:transition spd="slow">
         <p:fade/>
       </p:transition>
@@ -7201,13 +7202,13 @@
   <p:clrMapOvr>
     <a:masterClrMapping/>
   </p:clrMapOvr>
-  <mc:AlternateContent xmlns:mc="http://schemas.openxmlformats.org/markup-compatibility/2006">
-    <mc:Choice xmlns:p159="http://schemas.microsoft.com/office/powerpoint/2015/09/main" Requires="p159">
+  <mc:AlternateContent xmlns:mc="http://schemas.openxmlformats.org/markup-compatibility/2006" xmlns:p159="http://schemas.microsoft.com/office/powerpoint/2015/09/main">
+    <mc:Choice Requires="p159">
       <p:transition xmlns:p14="http://schemas.microsoft.com/office/powerpoint/2010/main" spd="slow" p14:dur="2000">
         <p159:morph option="byWord"/>
       </p:transition>
     </mc:Choice>
-    <mc:Fallback>
+    <mc:Fallback xmlns="">
       <p:transition spd="slow">
         <p:fade/>
       </p:transition>
@@ -7723,13 +7724,13 @@
   <p:clrMapOvr>
     <a:masterClrMapping/>
   </p:clrMapOvr>
-  <mc:AlternateContent xmlns:mc="http://schemas.openxmlformats.org/markup-compatibility/2006">
-    <mc:Choice xmlns:p159="http://schemas.microsoft.com/office/powerpoint/2015/09/main" Requires="p159">
+  <mc:AlternateContent xmlns:mc="http://schemas.openxmlformats.org/markup-compatibility/2006" xmlns:p159="http://schemas.microsoft.com/office/powerpoint/2015/09/main">
+    <mc:Choice Requires="p159">
       <p:transition xmlns:p14="http://schemas.microsoft.com/office/powerpoint/2010/main" spd="slow" p14:dur="2000">
         <p159:morph option="byWord"/>
       </p:transition>
     </mc:Choice>
-    <mc:Fallback>
+    <mc:Fallback xmlns="">
       <p:transition spd="slow">
         <p:fade/>
       </p:transition>
@@ -8047,13 +8048,13 @@
     <p:sldLayoutId id="2147483667" r:id="rId12"/>
     <p:sldLayoutId id="2147483665" r:id="rId13"/>
   </p:sldLayoutIdLst>
-  <mc:AlternateContent xmlns:mc="http://schemas.openxmlformats.org/markup-compatibility/2006">
-    <mc:Choice xmlns:p159="http://schemas.microsoft.com/office/powerpoint/2015/09/main" Requires="p159">
+  <mc:AlternateContent xmlns:mc="http://schemas.openxmlformats.org/markup-compatibility/2006" xmlns:p159="http://schemas.microsoft.com/office/powerpoint/2015/09/main">
+    <mc:Choice Requires="p159">
       <p:transition xmlns:p14="http://schemas.microsoft.com/office/powerpoint/2010/main" spd="slow" p14:dur="2000">
         <p159:morph option="byWord"/>
       </p:transition>
     </mc:Choice>
-    <mc:Fallback>
+    <mc:Fallback xmlns="">
       <p:transition spd="slow">
         <p:fade/>
       </p:transition>
@@ -8422,13 +8423,13 @@
   <p:clrMapOvr>
     <a:masterClrMapping/>
   </p:clrMapOvr>
-  <mc:AlternateContent xmlns:mc="http://schemas.openxmlformats.org/markup-compatibility/2006">
-    <mc:Choice xmlns:p159="http://schemas.microsoft.com/office/powerpoint/2015/09/main" Requires="p159">
+  <mc:AlternateContent xmlns:mc="http://schemas.openxmlformats.org/markup-compatibility/2006" xmlns:p159="http://schemas.microsoft.com/office/powerpoint/2015/09/main">
+    <mc:Choice Requires="p159">
       <p:transition xmlns:p14="http://schemas.microsoft.com/office/powerpoint/2010/main" spd="slow" p14:dur="2000">
         <p159:morph option="byWord"/>
       </p:transition>
     </mc:Choice>
-    <mc:Fallback>
+    <mc:Fallback xmlns="">
       <p:transition spd="slow">
         <p:fade/>
       </p:transition>
@@ -8676,13 +8677,13 @@
   <p:clrMapOvr>
     <a:masterClrMapping/>
   </p:clrMapOvr>
-  <mc:AlternateContent xmlns:mc="http://schemas.openxmlformats.org/markup-compatibility/2006">
-    <mc:Choice xmlns:p159="http://schemas.microsoft.com/office/powerpoint/2015/09/main" Requires="p159">
+  <mc:AlternateContent xmlns:mc="http://schemas.openxmlformats.org/markup-compatibility/2006" xmlns:p159="http://schemas.microsoft.com/office/powerpoint/2015/09/main">
+    <mc:Choice Requires="p159">
       <p:transition xmlns:p14="http://schemas.microsoft.com/office/powerpoint/2010/main" spd="slow" p14:dur="2000">
         <p159:morph option="byWord"/>
       </p:transition>
     </mc:Choice>
-    <mc:Fallback>
+    <mc:Fallback xmlns="">
       <p:transition spd="slow">
         <p:fade/>
       </p:transition>
@@ -8767,8 +8768,8 @@
           </a:p>
         </p:txBody>
       </p:sp>
-      <mc:AlternateContent xmlns:mc="http://schemas.openxmlformats.org/markup-compatibility/2006">
-        <mc:Choice xmlns:a14="http://schemas.microsoft.com/office/drawing/2010/main" Requires="a14">
+      <mc:AlternateContent xmlns:mc="http://schemas.openxmlformats.org/markup-compatibility/2006" xmlns:a14="http://schemas.microsoft.com/office/drawing/2010/main">
+        <mc:Choice Requires="a14">
           <p:sp>
             <p:nvSpPr>
               <p:cNvPr id="3" name="文本占位符 2">
@@ -8940,7 +8941,7 @@
             </p:txBody>
           </p:sp>
         </mc:Choice>
-        <mc:Fallback>
+        <mc:Fallback xmlns="">
           <p:sp>
             <p:nvSpPr>
               <p:cNvPr id="3" name="文本占位符 2">
@@ -9142,13 +9143,13 @@
   <p:clrMapOvr>
     <a:masterClrMapping/>
   </p:clrMapOvr>
-  <mc:AlternateContent xmlns:mc="http://schemas.openxmlformats.org/markup-compatibility/2006">
-    <mc:Choice xmlns:p159="http://schemas.microsoft.com/office/powerpoint/2015/09/main" Requires="p159">
+  <mc:AlternateContent xmlns:mc="http://schemas.openxmlformats.org/markup-compatibility/2006" xmlns:p159="http://schemas.microsoft.com/office/powerpoint/2015/09/main">
+    <mc:Choice Requires="p159">
       <p:transition xmlns:p14="http://schemas.microsoft.com/office/powerpoint/2010/main" spd="slow" p14:dur="2000">
         <p159:morph option="byWord"/>
       </p:transition>
     </mc:Choice>
-    <mc:Fallback>
+    <mc:Fallback xmlns="">
       <p:transition spd="slow">
         <p:fade/>
       </p:transition>
@@ -9233,8 +9234,8 @@
           </a:p>
         </p:txBody>
       </p:sp>
-      <mc:AlternateContent xmlns:mc="http://schemas.openxmlformats.org/markup-compatibility/2006">
-        <mc:Choice xmlns:a14="http://schemas.microsoft.com/office/drawing/2010/main" Requires="a14">
+      <mc:AlternateContent xmlns:mc="http://schemas.openxmlformats.org/markup-compatibility/2006" xmlns:a14="http://schemas.microsoft.com/office/drawing/2010/main">
+        <mc:Choice Requires="a14">
           <p:sp>
             <p:nvSpPr>
               <p:cNvPr id="3" name="文本占位符 2">
@@ -9395,7 +9396,7 @@
             </p:txBody>
           </p:sp>
         </mc:Choice>
-        <mc:Fallback>
+        <mc:Fallback xmlns="">
           <p:sp>
             <p:nvSpPr>
               <p:cNvPr id="3" name="文本占位符 2">
@@ -9536,13 +9537,13 @@
   <p:clrMapOvr>
     <a:masterClrMapping/>
   </p:clrMapOvr>
-  <mc:AlternateContent xmlns:mc="http://schemas.openxmlformats.org/markup-compatibility/2006">
-    <mc:Choice xmlns:p159="http://schemas.microsoft.com/office/powerpoint/2015/09/main" Requires="p159">
+  <mc:AlternateContent xmlns:mc="http://schemas.openxmlformats.org/markup-compatibility/2006" xmlns:p159="http://schemas.microsoft.com/office/powerpoint/2015/09/main">
+    <mc:Choice Requires="p159">
       <p:transition xmlns:p14="http://schemas.microsoft.com/office/powerpoint/2010/main" spd="slow" p14:dur="2000">
         <p159:morph option="byWord"/>
       </p:transition>
     </mc:Choice>
-    <mc:Fallback>
+    <mc:Fallback xmlns="">
       <p:transition spd="slow">
         <p:fade/>
       </p:transition>
@@ -9634,8 +9635,8 @@
           </a:p>
         </p:txBody>
       </p:sp>
-      <mc:AlternateContent xmlns:mc="http://schemas.openxmlformats.org/markup-compatibility/2006">
-        <mc:Choice xmlns:a14="http://schemas.microsoft.com/office/drawing/2010/main" Requires="a14">
+      <mc:AlternateContent xmlns:mc="http://schemas.openxmlformats.org/markup-compatibility/2006" xmlns:a14="http://schemas.microsoft.com/office/drawing/2010/main">
+        <mc:Choice Requires="a14">
           <p:graphicFrame>
             <p:nvGraphicFramePr>
               <p:cNvPr id="5" name="内容占位符 4">
@@ -10689,7 +10690,7 @@
             </a:graphic>
           </p:graphicFrame>
         </mc:Choice>
-        <mc:Fallback>
+        <mc:Fallback xmlns="">
           <p:graphicFrame>
             <p:nvGraphicFramePr>
               <p:cNvPr id="5" name="内容占位符 4">
@@ -11500,13 +11501,13 @@
   <p:clrMapOvr>
     <a:masterClrMapping/>
   </p:clrMapOvr>
-  <mc:AlternateContent xmlns:mc="http://schemas.openxmlformats.org/markup-compatibility/2006">
-    <mc:Choice xmlns:p159="http://schemas.microsoft.com/office/powerpoint/2015/09/main" Requires="p159">
+  <mc:AlternateContent xmlns:mc="http://schemas.openxmlformats.org/markup-compatibility/2006" xmlns:p159="http://schemas.microsoft.com/office/powerpoint/2015/09/main">
+    <mc:Choice Requires="p159">
       <p:transition xmlns:p14="http://schemas.microsoft.com/office/powerpoint/2010/main" spd="slow" p14:dur="2000">
         <p159:morph option="byWord"/>
       </p:transition>
     </mc:Choice>
-    <mc:Fallback>
+    <mc:Fallback xmlns="">
       <p:transition spd="slow">
         <p:fade/>
       </p:transition>
@@ -11532,8 +11533,8 @@
           <a:chExt cx="0" cy="0"/>
         </a:xfrm>
       </p:grpSpPr>
-      <mc:AlternateContent xmlns:mc="http://schemas.openxmlformats.org/markup-compatibility/2006">
-        <mc:Choice xmlns:a14="http://schemas.microsoft.com/office/drawing/2010/main" Requires="a14">
+      <mc:AlternateContent xmlns:mc="http://schemas.openxmlformats.org/markup-compatibility/2006" xmlns:a14="http://schemas.microsoft.com/office/drawing/2010/main">
+        <mc:Choice Requires="a14">
           <p:sp>
             <p:nvSpPr>
               <p:cNvPr id="2" name="标题 1">
@@ -11605,7 +11606,7 @@
             </p:txBody>
           </p:sp>
         </mc:Choice>
-        <mc:Fallback>
+        <mc:Fallback xmlns="">
           <p:sp>
             <p:nvSpPr>
               <p:cNvPr id="2" name="标题 1">
@@ -11694,8 +11695,8 @@
           </a:p>
         </p:txBody>
       </p:sp>
-      <mc:AlternateContent xmlns:mc="http://schemas.openxmlformats.org/markup-compatibility/2006">
-        <mc:Choice xmlns:a14="http://schemas.microsoft.com/office/drawing/2010/main" Requires="a14">
+      <mc:AlternateContent xmlns:mc="http://schemas.openxmlformats.org/markup-compatibility/2006" xmlns:a14="http://schemas.microsoft.com/office/drawing/2010/main">
+        <mc:Choice Requires="a14">
           <p:sp>
             <p:nvSpPr>
               <p:cNvPr id="35" name="内容占位符 34">
@@ -11899,7 +11900,7 @@
             </p:txBody>
           </p:sp>
         </mc:Choice>
-        <mc:Fallback>
+        <mc:Fallback xmlns="">
           <p:sp>
             <p:nvSpPr>
               <p:cNvPr id="35" name="内容占位符 34">
@@ -11988,8 +11989,8 @@
           </a:p>
         </p:txBody>
       </p:sp>
-      <mc:AlternateContent xmlns:mc="http://schemas.openxmlformats.org/markup-compatibility/2006">
-        <mc:Choice xmlns:a14="http://schemas.microsoft.com/office/drawing/2010/main" Requires="a14">
+      <mc:AlternateContent xmlns:mc="http://schemas.openxmlformats.org/markup-compatibility/2006" xmlns:a14="http://schemas.microsoft.com/office/drawing/2010/main">
+        <mc:Choice Requires="a14">
           <p:sp>
             <p:nvSpPr>
               <p:cNvPr id="50" name="内容占位符 49">
@@ -12241,6 +12242,7 @@
                 </a:endParaRPr>
               </a:p>
               <a:p>
+                <a:pPr/>
                 <a14:m>
                   <m:oMathPara xmlns:m="http://schemas.openxmlformats.org/officeDocument/2006/math">
                     <m:oMathParaPr>
@@ -12510,7 +12512,7 @@
             </p:txBody>
           </p:sp>
         </mc:Choice>
-        <mc:Fallback>
+        <mc:Fallback xmlns="">
           <p:sp>
             <p:nvSpPr>
               <p:cNvPr id="50" name="内容占位符 49">
@@ -12604,13 +12606,13 @@
   <p:clrMapOvr>
     <a:masterClrMapping/>
   </p:clrMapOvr>
-  <mc:AlternateContent xmlns:mc="http://schemas.openxmlformats.org/markup-compatibility/2006">
-    <mc:Choice xmlns:p159="http://schemas.microsoft.com/office/powerpoint/2015/09/main" Requires="p159">
+  <mc:AlternateContent xmlns:mc="http://schemas.openxmlformats.org/markup-compatibility/2006" xmlns:p159="http://schemas.microsoft.com/office/powerpoint/2015/09/main">
+    <mc:Choice Requires="p159">
       <p:transition xmlns:p14="http://schemas.microsoft.com/office/powerpoint/2010/main" spd="slow" p14:dur="2000">
         <p159:morph option="byWord"/>
       </p:transition>
     </mc:Choice>
-    <mc:Fallback>
+    <mc:Fallback xmlns="">
       <p:transition spd="slow">
         <p:fade/>
       </p:transition>
@@ -12642,8 +12644,8 @@
           <a:chExt cx="0" cy="0"/>
         </a:xfrm>
       </p:grpSpPr>
-      <mc:AlternateContent xmlns:mc="http://schemas.openxmlformats.org/markup-compatibility/2006">
-        <mc:Choice xmlns:a14="http://schemas.microsoft.com/office/drawing/2010/main" Requires="a14">
+      <mc:AlternateContent xmlns:mc="http://schemas.openxmlformats.org/markup-compatibility/2006" xmlns:a14="http://schemas.microsoft.com/office/drawing/2010/main">
+        <mc:Choice Requires="a14">
           <p:sp>
             <p:nvSpPr>
               <p:cNvPr id="2" name="标题 1">
@@ -12715,7 +12717,7 @@
             </p:txBody>
           </p:sp>
         </mc:Choice>
-        <mc:Fallback>
+        <mc:Fallback xmlns="">
           <p:sp>
             <p:nvSpPr>
               <p:cNvPr id="2" name="标题 1">
@@ -12804,8 +12806,8 @@
           </a:p>
         </p:txBody>
       </p:sp>
-      <mc:AlternateContent xmlns:mc="http://schemas.openxmlformats.org/markup-compatibility/2006">
-        <mc:Choice xmlns:a14="http://schemas.microsoft.com/office/drawing/2010/main" Requires="a14">
+      <mc:AlternateContent xmlns:mc="http://schemas.openxmlformats.org/markup-compatibility/2006" xmlns:a14="http://schemas.microsoft.com/office/drawing/2010/main">
+        <mc:Choice Requires="a14">
           <p:sp>
             <p:nvSpPr>
               <p:cNvPr id="35" name="内容占位符 34">
@@ -13033,7 +13035,7 @@
             </p:txBody>
           </p:sp>
         </mc:Choice>
-        <mc:Fallback>
+        <mc:Fallback xmlns="">
           <p:sp>
             <p:nvSpPr>
               <p:cNvPr id="35" name="内容占位符 34">
@@ -13122,8 +13124,8 @@
           </a:p>
         </p:txBody>
       </p:sp>
-      <mc:AlternateContent xmlns:mc="http://schemas.openxmlformats.org/markup-compatibility/2006">
-        <mc:Choice xmlns:a14="http://schemas.microsoft.com/office/drawing/2010/main" Requires="a14">
+      <mc:AlternateContent xmlns:mc="http://schemas.openxmlformats.org/markup-compatibility/2006" xmlns:a14="http://schemas.microsoft.com/office/drawing/2010/main">
+        <mc:Choice Requires="a14">
           <p:sp>
             <p:nvSpPr>
               <p:cNvPr id="50" name="内容占位符 49">
@@ -13467,7 +13469,7 @@
             </p:txBody>
           </p:sp>
         </mc:Choice>
-        <mc:Fallback>
+        <mc:Fallback xmlns="">
           <p:sp>
             <p:nvSpPr>
               <p:cNvPr id="50" name="内容占位符 49">
@@ -13591,13 +13593,13 @@
   <p:clrMapOvr>
     <a:masterClrMapping/>
   </p:clrMapOvr>
-  <mc:AlternateContent xmlns:mc="http://schemas.openxmlformats.org/markup-compatibility/2006">
-    <mc:Choice xmlns:p159="http://schemas.microsoft.com/office/powerpoint/2015/09/main" Requires="p159">
+  <mc:AlternateContent xmlns:mc="http://schemas.openxmlformats.org/markup-compatibility/2006" xmlns:p159="http://schemas.microsoft.com/office/powerpoint/2015/09/main">
+    <mc:Choice Requires="p159">
       <p:transition xmlns:p14="http://schemas.microsoft.com/office/powerpoint/2010/main" spd="slow" p14:dur="2000">
         <p159:morph option="byWord"/>
       </p:transition>
     </mc:Choice>
-    <mc:Fallback>
+    <mc:Fallback xmlns="">
       <p:transition spd="slow">
         <p:fade/>
       </p:transition>
@@ -13629,8 +13631,8 @@
           <a:chExt cx="0" cy="0"/>
         </a:xfrm>
       </p:grpSpPr>
-      <mc:AlternateContent xmlns:mc="http://schemas.openxmlformats.org/markup-compatibility/2006">
-        <mc:Choice xmlns:a14="http://schemas.microsoft.com/office/drawing/2010/main" Requires="a14">
+      <mc:AlternateContent xmlns:mc="http://schemas.openxmlformats.org/markup-compatibility/2006" xmlns:a14="http://schemas.microsoft.com/office/drawing/2010/main">
+        <mc:Choice Requires="a14">
           <p:sp>
             <p:nvSpPr>
               <p:cNvPr id="2" name="标题 1">
@@ -13702,7 +13704,7 @@
             </p:txBody>
           </p:sp>
         </mc:Choice>
-        <mc:Fallback>
+        <mc:Fallback xmlns="">
           <p:sp>
             <p:nvSpPr>
               <p:cNvPr id="2" name="标题 1">
@@ -13791,8 +13793,8 @@
           </a:p>
         </p:txBody>
       </p:sp>
-      <mc:AlternateContent xmlns:mc="http://schemas.openxmlformats.org/markup-compatibility/2006">
-        <mc:Choice xmlns:a14="http://schemas.microsoft.com/office/drawing/2010/main" Requires="a14">
+      <mc:AlternateContent xmlns:mc="http://schemas.openxmlformats.org/markup-compatibility/2006" xmlns:a14="http://schemas.microsoft.com/office/drawing/2010/main">
+        <mc:Choice Requires="a14">
           <p:sp>
             <p:nvSpPr>
               <p:cNvPr id="35" name="内容占位符 34">
@@ -14065,17 +14067,7 @@
                               <a:latin typeface="Cambria Math" panose="02040503050406030204" pitchFamily="18" charset="0"/>
                               <a:ea typeface="Cambria Math" panose="02040503050406030204" pitchFamily="18" charset="0"/>
                             </a:rPr>
-                            <m:t>in</m:t>
-                          </m:r>
-                          <m:r>
-                            <m:rPr>
-                              <m:sty m:val="p"/>
-                            </m:rPr>
-                            <a:rPr lang="en-US" altLang="zh-CN" i="1">
-                              <a:latin typeface="Cambria Math" panose="02040503050406030204" pitchFamily="18" charset="0"/>
-                              <a:ea typeface="Cambria Math" panose="02040503050406030204" pitchFamily="18" charset="0"/>
-                            </a:rPr>
-                            <m:t>r</m:t>
+                            <m:t>inr</m:t>
                           </m:r>
                           <m:r>
                             <a:rPr lang="en-US" altLang="zh-CN" b="0" i="1" smtClean="0">
@@ -14132,7 +14124,7 @@
             </p:txBody>
           </p:sp>
         </mc:Choice>
-        <mc:Fallback>
+        <mc:Fallback xmlns="">
           <p:sp>
             <p:nvSpPr>
               <p:cNvPr id="35" name="内容占位符 34">
@@ -14221,8 +14213,8 @@
           </a:p>
         </p:txBody>
       </p:sp>
-      <mc:AlternateContent xmlns:mc="http://schemas.openxmlformats.org/markup-compatibility/2006">
-        <mc:Choice xmlns:a14="http://schemas.microsoft.com/office/drawing/2010/main" Requires="a14">
+      <mc:AlternateContent xmlns:mc="http://schemas.openxmlformats.org/markup-compatibility/2006" xmlns:a14="http://schemas.microsoft.com/office/drawing/2010/main">
+        <mc:Choice Requires="a14">
           <p:sp>
             <p:nvSpPr>
               <p:cNvPr id="50" name="内容占位符 49">
@@ -14566,7 +14558,7 @@
             </p:txBody>
           </p:sp>
         </mc:Choice>
-        <mc:Fallback>
+        <mc:Fallback xmlns="">
           <p:sp>
             <p:nvSpPr>
               <p:cNvPr id="50" name="内容占位符 49">
@@ -14690,13 +14682,13 @@
   <p:clrMapOvr>
     <a:masterClrMapping/>
   </p:clrMapOvr>
-  <mc:AlternateContent xmlns:mc="http://schemas.openxmlformats.org/markup-compatibility/2006">
-    <mc:Choice xmlns:p159="http://schemas.microsoft.com/office/powerpoint/2015/09/main" Requires="p159">
+  <mc:AlternateContent xmlns:mc="http://schemas.openxmlformats.org/markup-compatibility/2006" xmlns:p159="http://schemas.microsoft.com/office/powerpoint/2015/09/main">
+    <mc:Choice Requires="p159">
       <p:transition xmlns:p14="http://schemas.microsoft.com/office/powerpoint/2010/main" spd="slow" p14:dur="2000">
         <p159:morph option="byWord"/>
       </p:transition>
     </mc:Choice>
-    <mc:Fallback>
+    <mc:Fallback xmlns="">
       <p:transition spd="slow">
         <p:fade/>
       </p:transition>
@@ -14722,8 +14714,8 @@
           <a:chExt cx="0" cy="0"/>
         </a:xfrm>
       </p:grpSpPr>
-      <mc:AlternateContent xmlns:mc="http://schemas.openxmlformats.org/markup-compatibility/2006">
-        <mc:Choice xmlns:a14="http://schemas.microsoft.com/office/drawing/2010/main" Requires="a14">
+      <mc:AlternateContent xmlns:mc="http://schemas.openxmlformats.org/markup-compatibility/2006" xmlns:a14="http://schemas.microsoft.com/office/drawing/2010/main">
+        <mc:Choice Requires="a14">
           <p:sp>
             <p:nvSpPr>
               <p:cNvPr id="2" name="标题 1">
@@ -14957,7 +14949,7 @@
             </p:txBody>
           </p:sp>
         </mc:Choice>
-        <mc:Fallback>
+        <mc:Fallback xmlns="">
           <p:sp>
             <p:nvSpPr>
               <p:cNvPr id="2" name="标题 1">
@@ -15085,13 +15077,13 @@
   <p:clrMapOvr>
     <a:masterClrMapping/>
   </p:clrMapOvr>
-  <mc:AlternateContent xmlns:mc="http://schemas.openxmlformats.org/markup-compatibility/2006">
-    <mc:Choice xmlns:p159="http://schemas.microsoft.com/office/powerpoint/2015/09/main" Requires="p159">
+  <mc:AlternateContent xmlns:mc="http://schemas.openxmlformats.org/markup-compatibility/2006" xmlns:p159="http://schemas.microsoft.com/office/powerpoint/2015/09/main">
+    <mc:Choice Requires="p159">
       <p:transition xmlns:p14="http://schemas.microsoft.com/office/powerpoint/2010/main" spd="slow" p14:dur="2000">
         <p159:morph option="byWord"/>
       </p:transition>
     </mc:Choice>
-    <mc:Fallback>
+    <mc:Fallback xmlns="">
       <p:transition spd="slow">
         <p:fade/>
       </p:transition>
@@ -15207,8 +15199,8 @@
           </a:p>
         </p:txBody>
       </p:sp>
-      <mc:AlternateContent xmlns:mc="http://schemas.openxmlformats.org/markup-compatibility/2006">
-        <mc:Choice xmlns:a14="http://schemas.microsoft.com/office/drawing/2010/main" Requires="a14">
+      <mc:AlternateContent xmlns:mc="http://schemas.openxmlformats.org/markup-compatibility/2006" xmlns:a14="http://schemas.microsoft.com/office/drawing/2010/main">
+        <mc:Choice Requires="a14">
           <p:sp>
             <p:nvSpPr>
               <p:cNvPr id="20" name="内容占位符 3">
@@ -15750,7 +15742,7 @@
             </p:txBody>
           </p:sp>
         </mc:Choice>
-        <mc:Fallback>
+        <mc:Fallback xmlns="">
           <p:sp>
             <p:nvSpPr>
               <p:cNvPr id="20" name="内容占位符 3">
@@ -15839,8 +15831,8 @@
           </a:p>
         </p:txBody>
       </p:sp>
-      <mc:AlternateContent xmlns:mc="http://schemas.openxmlformats.org/markup-compatibility/2006">
-        <mc:Choice xmlns:a14="http://schemas.microsoft.com/office/drawing/2010/main" Requires="a14">
+      <mc:AlternateContent xmlns:mc="http://schemas.openxmlformats.org/markup-compatibility/2006" xmlns:a14="http://schemas.microsoft.com/office/drawing/2010/main">
+        <mc:Choice Requires="a14">
           <p:sp>
             <p:nvSpPr>
               <p:cNvPr id="35" name="内容占位符 34">
@@ -16045,7 +16037,7 @@
             </p:txBody>
           </p:sp>
         </mc:Choice>
-        <mc:Fallback>
+        <mc:Fallback xmlns="">
           <p:sp>
             <p:nvSpPr>
               <p:cNvPr id="35" name="内容占位符 34">
@@ -16139,13 +16131,13 @@
   <p:clrMapOvr>
     <a:masterClrMapping/>
   </p:clrMapOvr>
-  <mc:AlternateContent xmlns:mc="http://schemas.openxmlformats.org/markup-compatibility/2006">
-    <mc:Choice xmlns:p159="http://schemas.microsoft.com/office/powerpoint/2015/09/main" Requires="p159">
+  <mc:AlternateContent xmlns:mc="http://schemas.openxmlformats.org/markup-compatibility/2006" xmlns:p159="http://schemas.microsoft.com/office/powerpoint/2015/09/main">
+    <mc:Choice Requires="p159">
       <p:transition xmlns:p14="http://schemas.microsoft.com/office/powerpoint/2010/main" spd="slow" p14:dur="2000">
         <p159:morph option="byWord"/>
       </p:transition>
     </mc:Choice>
-    <mc:Fallback>
+    <mc:Fallback xmlns="">
       <p:transition spd="slow">
         <p:fade/>
       </p:transition>
@@ -16235,13 +16227,13 @@
   <p:clrMapOvr>
     <a:masterClrMapping/>
   </p:clrMapOvr>
-  <mc:AlternateContent xmlns:mc="http://schemas.openxmlformats.org/markup-compatibility/2006">
-    <mc:Choice xmlns:p159="http://schemas.microsoft.com/office/powerpoint/2015/09/main" Requires="p159">
+  <mc:AlternateContent xmlns:mc="http://schemas.openxmlformats.org/markup-compatibility/2006" xmlns:p159="http://schemas.microsoft.com/office/powerpoint/2015/09/main">
+    <mc:Choice Requires="p159">
       <p:transition xmlns:p14="http://schemas.microsoft.com/office/powerpoint/2010/main" spd="slow" p14:dur="2000">
         <p159:morph option="byWord"/>
       </p:transition>
     </mc:Choice>
-    <mc:Fallback>
+    <mc:Fallback xmlns="">
       <p:transition spd="slow">
         <p:fade/>
       </p:transition>
@@ -16460,13 +16452,13 @@
   <p:clrMapOvr>
     <a:masterClrMapping/>
   </p:clrMapOvr>
-  <mc:AlternateContent xmlns:mc="http://schemas.openxmlformats.org/markup-compatibility/2006">
-    <mc:Choice xmlns:p159="http://schemas.microsoft.com/office/powerpoint/2015/09/main" Requires="p159">
+  <mc:AlternateContent xmlns:mc="http://schemas.openxmlformats.org/markup-compatibility/2006" xmlns:p159="http://schemas.microsoft.com/office/powerpoint/2015/09/main">
+    <mc:Choice Requires="p159">
       <p:transition xmlns:p14="http://schemas.microsoft.com/office/powerpoint/2010/main" spd="slow" p14:dur="2000">
         <p159:morph option="byWord"/>
       </p:transition>
     </mc:Choice>
-    <mc:Fallback>
+    <mc:Fallback xmlns="">
       <p:transition spd="slow">
         <p:fade/>
       </p:transition>
@@ -16514,10 +16506,16 @@
           <a:lstStyle/>
           <a:p>
             <a:r>
-              <a:rPr lang="en-US" altLang="zh-CN" dirty="0"/>
+              <a:rPr lang="en-US" altLang="zh-CN" dirty="0">
+                <a:latin typeface="HarmonyOS Sans SC Medium" panose="00000600000000000000" pitchFamily="2" charset="-122"/>
+                <a:ea typeface="HarmonyOS Sans SC Medium" panose="00000600000000000000" pitchFamily="2" charset="-122"/>
+              </a:rPr>
               <a:t>LEAN</a:t>
             </a:r>
-            <a:endParaRPr lang="zh-CN" altLang="en-US" dirty="0"/>
+            <a:endParaRPr lang="zh-CN" altLang="en-US" dirty="0">
+              <a:latin typeface="HarmonyOS Sans SC Medium" panose="00000600000000000000" pitchFamily="2" charset="-122"/>
+              <a:ea typeface="HarmonyOS Sans SC Medium" panose="00000600000000000000" pitchFamily="2" charset="-122"/>
+            </a:endParaRPr>
           </a:p>
         </p:txBody>
       </p:sp>
@@ -16547,10 +16545,16 @@
               <a:buChar char="•"/>
             </a:pPr>
             <a:r>
-              <a:rPr lang="zh-CN" altLang="en-US" dirty="0"/>
+              <a:rPr lang="zh-CN" altLang="en-US" dirty="0">
+                <a:latin typeface="HarmonyOS Sans SC Medium" panose="00000600000000000000" pitchFamily="2" charset="-122"/>
+                <a:ea typeface="HarmonyOS Sans SC Medium" panose="00000600000000000000" pitchFamily="2" charset="-122"/>
+              </a:rPr>
               <a:t>依赖类型论</a:t>
             </a:r>
-            <a:endParaRPr lang="en-US" altLang="zh-CN" dirty="0"/>
+            <a:endParaRPr lang="en-US" altLang="zh-CN" dirty="0">
+              <a:latin typeface="HarmonyOS Sans SC Medium" panose="00000600000000000000" pitchFamily="2" charset="-122"/>
+              <a:ea typeface="HarmonyOS Sans SC Medium" panose="00000600000000000000" pitchFamily="2" charset="-122"/>
+            </a:endParaRPr>
           </a:p>
           <a:p>
             <a:pPr marL="285750" indent="-285750">
@@ -16558,7 +16562,10 @@
               <a:buChar char="•"/>
             </a:pPr>
             <a:r>
-              <a:rPr lang="zh-CN" altLang="en-US" dirty="0"/>
+              <a:rPr lang="zh-CN" altLang="en-US" dirty="0">
+                <a:latin typeface="HarmonyOS Sans SC Medium" panose="00000600000000000000" pitchFamily="2" charset="-122"/>
+                <a:ea typeface="HarmonyOS Sans SC Medium" panose="00000600000000000000" pitchFamily="2" charset="-122"/>
+              </a:rPr>
               <a:t>交互式定理证明器</a:t>
             </a:r>
           </a:p>
@@ -16636,13 +16643,13 @@
   <p:clrMapOvr>
     <a:masterClrMapping/>
   </p:clrMapOvr>
-  <mc:AlternateContent xmlns:mc="http://schemas.openxmlformats.org/markup-compatibility/2006">
-    <mc:Choice xmlns:p159="http://schemas.microsoft.com/office/powerpoint/2015/09/main" Requires="p159">
+  <mc:AlternateContent xmlns:mc="http://schemas.openxmlformats.org/markup-compatibility/2006" xmlns:p159="http://schemas.microsoft.com/office/powerpoint/2015/09/main">
+    <mc:Choice Requires="p159">
       <p:transition xmlns:p14="http://schemas.microsoft.com/office/powerpoint/2010/main" spd="slow" p14:dur="2000">
         <p159:morph option="byWord"/>
       </p:transition>
     </mc:Choice>
-    <mc:Fallback>
+    <mc:Fallback xmlns="">
       <p:transition spd="slow">
         <p:fade/>
       </p:transition>
@@ -16690,10 +16697,16 @@
           <a:lstStyle/>
           <a:p>
             <a:r>
-              <a:rPr lang="en-US" altLang="zh-CN" dirty="0"/>
+              <a:rPr lang="en-US" altLang="zh-CN" dirty="0">
+                <a:latin typeface="HarmonyOS Sans SC Medium" panose="00000600000000000000" pitchFamily="2" charset="-122"/>
+                <a:ea typeface="HarmonyOS Sans SC Medium" panose="00000600000000000000" pitchFamily="2" charset="-122"/>
+              </a:rPr>
               <a:t>MATHLIB</a:t>
             </a:r>
-            <a:endParaRPr lang="zh-CN" altLang="en-US" dirty="0"/>
+            <a:endParaRPr lang="zh-CN" altLang="en-US" dirty="0">
+              <a:latin typeface="HarmonyOS Sans SC Medium" panose="00000600000000000000" pitchFamily="2" charset="-122"/>
+              <a:ea typeface="HarmonyOS Sans SC Medium" panose="00000600000000000000" pitchFamily="2" charset="-122"/>
+            </a:endParaRPr>
           </a:p>
         </p:txBody>
       </p:sp>
@@ -16719,7 +16732,10 @@
           <a:lstStyle/>
           <a:p>
             <a:r>
-              <a:rPr lang="zh-CN" altLang="en-US" dirty="0"/>
+              <a:rPr lang="zh-CN" altLang="en-US" dirty="0">
+                <a:latin typeface="HarmonyOS Sans SC Medium" panose="00000600000000000000" pitchFamily="2" charset="-122"/>
+                <a:ea typeface="HarmonyOS Sans SC Medium" panose="00000600000000000000" pitchFamily="2" charset="-122"/>
+              </a:rPr>
               <a:t>数学定理库</a:t>
             </a:r>
           </a:p>
@@ -16751,10 +16767,16 @@
               <a:buChar char="•"/>
             </a:pPr>
             <a:r>
-              <a:rPr lang="zh-CN" altLang="en-US" dirty="0"/>
+              <a:rPr lang="zh-CN" altLang="en-US" dirty="0">
+                <a:latin typeface="HarmonyOS Sans SC Medium" panose="00000600000000000000" pitchFamily="2" charset="-122"/>
+                <a:ea typeface="HarmonyOS Sans SC Medium" panose="00000600000000000000" pitchFamily="2" charset="-122"/>
+              </a:rPr>
               <a:t>社区维护</a:t>
             </a:r>
-            <a:endParaRPr lang="en-US" altLang="zh-CN" dirty="0"/>
+            <a:endParaRPr lang="en-US" altLang="zh-CN" dirty="0">
+              <a:latin typeface="HarmonyOS Sans SC Medium" panose="00000600000000000000" pitchFamily="2" charset="-122"/>
+              <a:ea typeface="HarmonyOS Sans SC Medium" panose="00000600000000000000" pitchFamily="2" charset="-122"/>
+            </a:endParaRPr>
           </a:p>
           <a:p>
             <a:pPr marL="285750" indent="-285750">
@@ -16762,7 +16784,10 @@
               <a:buChar char="•"/>
             </a:pPr>
             <a:r>
-              <a:rPr lang="zh-CN" altLang="en-US" dirty="0"/>
+              <a:rPr lang="zh-CN" altLang="en-US" dirty="0">
+                <a:latin typeface="HarmonyOS Sans SC Medium" panose="00000600000000000000" pitchFamily="2" charset="-122"/>
+                <a:ea typeface="HarmonyOS Sans SC Medium" panose="00000600000000000000" pitchFamily="2" charset="-122"/>
+              </a:rPr>
               <a:t>涵盖主要数学分支</a:t>
             </a:r>
           </a:p>
@@ -16831,6 +16856,253 @@
     <p:extLst>
       <p:ext uri="{BB962C8B-B14F-4D97-AF65-F5344CB8AC3E}">
         <p14:creationId xmlns:p14="http://schemas.microsoft.com/office/powerpoint/2010/main" val="3736710133"/>
+      </p:ext>
+    </p:extLst>
+  </p:cSld>
+  <p:clrMapOvr>
+    <a:masterClrMapping/>
+  </p:clrMapOvr>
+  <mc:AlternateContent xmlns:mc="http://schemas.openxmlformats.org/markup-compatibility/2006" xmlns:p159="http://schemas.microsoft.com/office/powerpoint/2015/09/main">
+    <mc:Choice Requires="p159">
+      <p:transition xmlns:p14="http://schemas.microsoft.com/office/powerpoint/2010/main" spd="slow" p14:dur="2000">
+        <p159:morph option="byWord"/>
+      </p:transition>
+    </mc:Choice>
+    <mc:Fallback xmlns="">
+      <p:transition spd="slow">
+        <p:fade/>
+      </p:transition>
+    </mc:Fallback>
+  </mc:AlternateContent>
+</p:sld>
+</file>
+
+<file path=ppt/slides/slide22.xml><?xml version="1.0" encoding="utf-8"?>
+<p:sld xmlns:a="http://schemas.openxmlformats.org/drawingml/2006/main" xmlns:r="http://schemas.openxmlformats.org/officeDocument/2006/relationships" xmlns:p="http://schemas.openxmlformats.org/presentationml/2006/main">
+  <p:cSld>
+    <p:spTree>
+      <p:nvGrpSpPr>
+        <p:cNvPr id="1" name="">
+          <a:extLst>
+            <a:ext uri="{FF2B5EF4-FFF2-40B4-BE49-F238E27FC236}">
+              <a16:creationId xmlns:a16="http://schemas.microsoft.com/office/drawing/2014/main" id="{2D30DFA8-AAAD-8049-3EE8-10287BD830E0}"/>
+            </a:ext>
+          </a:extLst>
+        </p:cNvPr>
+        <p:cNvGrpSpPr/>
+        <p:nvPr/>
+      </p:nvGrpSpPr>
+      <p:grpSpPr>
+        <a:xfrm>
+          <a:off x="0" y="0"/>
+          <a:ext cx="0" cy="0"/>
+          <a:chOff x="0" y="0"/>
+          <a:chExt cx="0" cy="0"/>
+        </a:xfrm>
+      </p:grpSpPr>
+      <p:sp>
+        <p:nvSpPr>
+          <p:cNvPr id="2" name="标题 1">
+            <a:extLst>
+              <a:ext uri="{FF2B5EF4-FFF2-40B4-BE49-F238E27FC236}">
+                <a16:creationId xmlns:a16="http://schemas.microsoft.com/office/drawing/2014/main" id="{1A317B9B-F9A8-314B-A398-88B5077D44C9}"/>
+              </a:ext>
+            </a:extLst>
+          </p:cNvPr>
+          <p:cNvSpPr>
+            <a:spLocks noGrp="1"/>
+          </p:cNvSpPr>
+          <p:nvPr>
+            <p:ph type="title"/>
+          </p:nvPr>
+        </p:nvSpPr>
+        <p:spPr/>
+        <p:txBody>
+          <a:bodyPr/>
+          <a:lstStyle/>
+          <a:p>
+            <a:r>
+              <a:rPr lang="en-US" altLang="zh-CN" dirty="0">
+                <a:latin typeface="HarmonyOS Sans SC Medium" panose="00000600000000000000" pitchFamily="2" charset="-122"/>
+                <a:ea typeface="HarmonyOS Sans SC Medium" panose="00000600000000000000" pitchFamily="2" charset="-122"/>
+              </a:rPr>
+              <a:t>LEAN</a:t>
+            </a:r>
+            <a:endParaRPr lang="zh-CN" altLang="en-US" dirty="0">
+              <a:latin typeface="HarmonyOS Sans SC Medium" panose="00000600000000000000" pitchFamily="2" charset="-122"/>
+              <a:ea typeface="HarmonyOS Sans SC Medium" panose="00000600000000000000" pitchFamily="2" charset="-122"/>
+            </a:endParaRPr>
+          </a:p>
+        </p:txBody>
+      </p:sp>
+      <p:sp>
+        <p:nvSpPr>
+          <p:cNvPr id="3" name="内容占位符 2">
+            <a:extLst>
+              <a:ext uri="{FF2B5EF4-FFF2-40B4-BE49-F238E27FC236}">
+                <a16:creationId xmlns:a16="http://schemas.microsoft.com/office/drawing/2014/main" id="{5E002F25-B05A-73E0-4F82-5EDA75F7890D}"/>
+              </a:ext>
+            </a:extLst>
+          </p:cNvPr>
+          <p:cNvSpPr>
+            <a:spLocks noGrp="1"/>
+          </p:cNvSpPr>
+          <p:nvPr>
+            <p:ph sz="half" idx="16"/>
+          </p:nvPr>
+        </p:nvSpPr>
+        <p:spPr/>
+        <p:txBody>
+          <a:bodyPr/>
+          <a:lstStyle/>
+          <a:p>
+            <a:pPr marL="285750" indent="-285750">
+              <a:buFont typeface="Arial" panose="020B0604020202020204" pitchFamily="34" charset="0"/>
+              <a:buChar char="•"/>
+            </a:pPr>
+            <a:r>
+              <a:rPr lang="en-US" altLang="zh-CN" dirty="0">
+                <a:latin typeface="HarmonyOS Sans SC Medium" panose="00000600000000000000" pitchFamily="2" charset="-122"/>
+                <a:ea typeface="HarmonyOS Sans SC Medium" panose="00000600000000000000" pitchFamily="2" charset="-122"/>
+              </a:rPr>
+              <a:t>Parsing</a:t>
+            </a:r>
+          </a:p>
+          <a:p>
+            <a:pPr marL="285750" indent="-285750">
+              <a:buFont typeface="Arial" panose="020B0604020202020204" pitchFamily="34" charset="0"/>
+              <a:buChar char="•"/>
+            </a:pPr>
+            <a:r>
+              <a:rPr lang="en-US" altLang="zh-CN" dirty="0">
+                <a:latin typeface="HarmonyOS Sans SC Medium" panose="00000600000000000000" pitchFamily="2" charset="-122"/>
+                <a:ea typeface="HarmonyOS Sans SC Medium" panose="00000600000000000000" pitchFamily="2" charset="-122"/>
+              </a:rPr>
+              <a:t>Macro Expansion</a:t>
+            </a:r>
+          </a:p>
+          <a:p>
+            <a:pPr marL="285750" indent="-285750">
+              <a:buFont typeface="Arial" panose="020B0604020202020204" pitchFamily="34" charset="0"/>
+              <a:buChar char="•"/>
+            </a:pPr>
+            <a:r>
+              <a:rPr lang="en-US" altLang="zh-CN" dirty="0">
+                <a:latin typeface="HarmonyOS Sans SC Medium" panose="00000600000000000000" pitchFamily="2" charset="-122"/>
+                <a:ea typeface="HarmonyOS Sans SC Medium" panose="00000600000000000000" pitchFamily="2" charset="-122"/>
+              </a:rPr>
+              <a:t>Elaboration</a:t>
+            </a:r>
+          </a:p>
+          <a:p>
+            <a:pPr marL="285750" indent="-285750">
+              <a:buFont typeface="Arial" panose="020B0604020202020204" pitchFamily="34" charset="0"/>
+              <a:buChar char="•"/>
+            </a:pPr>
+            <a:r>
+              <a:rPr lang="en-US" altLang="zh-CN" dirty="0">
+                <a:latin typeface="HarmonyOS Sans SC Medium" panose="00000600000000000000" pitchFamily="2" charset="-122"/>
+                <a:ea typeface="HarmonyOS Sans SC Medium" panose="00000600000000000000" pitchFamily="2" charset="-122"/>
+              </a:rPr>
+              <a:t>Kernel Checking</a:t>
+            </a:r>
+          </a:p>
+          <a:p>
+            <a:pPr marL="285750" indent="-285750">
+              <a:buFont typeface="Arial" panose="020B0604020202020204" pitchFamily="34" charset="0"/>
+              <a:buChar char="•"/>
+            </a:pPr>
+            <a:r>
+              <a:rPr lang="en-US" altLang="zh-CN" dirty="0">
+                <a:latin typeface="HarmonyOS Sans SC Medium" panose="00000600000000000000" pitchFamily="2" charset="-122"/>
+                <a:ea typeface="HarmonyOS Sans SC Medium" panose="00000600000000000000" pitchFamily="2" charset="-122"/>
+              </a:rPr>
+              <a:t>Compilation</a:t>
+            </a:r>
+            <a:endParaRPr lang="zh-CN" altLang="en-US" dirty="0">
+              <a:latin typeface="HarmonyOS Sans SC Medium" panose="00000600000000000000" pitchFamily="2" charset="-122"/>
+              <a:ea typeface="HarmonyOS Sans SC Medium" panose="00000600000000000000" pitchFamily="2" charset="-122"/>
+            </a:endParaRPr>
+          </a:p>
+        </p:txBody>
+      </p:sp>
+      <p:sp>
+        <p:nvSpPr>
+          <p:cNvPr id="4" name="表格占位符 3">
+            <a:extLst>
+              <a:ext uri="{FF2B5EF4-FFF2-40B4-BE49-F238E27FC236}">
+                <a16:creationId xmlns:a16="http://schemas.microsoft.com/office/drawing/2014/main" id="{411075BE-EFF0-8A43-18CE-774C82041267}"/>
+              </a:ext>
+            </a:extLst>
+          </p:cNvPr>
+          <p:cNvSpPr>
+            <a:spLocks noGrp="1"/>
+          </p:cNvSpPr>
+          <p:nvPr>
+            <p:ph type="tbl" sz="quarter" idx="14"/>
+          </p:nvPr>
+        </p:nvSpPr>
+        <p:spPr>
+          <a:xfrm>
+            <a:off x="5863212" y="895927"/>
+            <a:ext cx="5490587" cy="5115889"/>
+          </a:xfrm>
+          <a:blipFill>
+            <a:blip r:embed="rId2">
+              <a:extLst>
+                <a:ext uri="{96DAC541-7B7A-43D3-8B79-37D633B846F1}">
+                  <asvg:svgBlip xmlns:asvg="http://schemas.microsoft.com/office/drawing/2016/SVG/main" r:embed="rId3"/>
+                </a:ext>
+              </a:extLst>
+            </a:blip>
+            <a:stretch>
+              <a:fillRect/>
+            </a:stretch>
+          </a:blipFill>
+        </p:spPr>
+        <p:txBody>
+          <a:bodyPr/>
+          <a:lstStyle/>
+          <a:p>
+            <a:endParaRPr lang="zh-CN" altLang="en-US"/>
+          </a:p>
+        </p:txBody>
+      </p:sp>
+      <p:sp>
+        <p:nvSpPr>
+          <p:cNvPr id="5" name="灯片编号占位符 4">
+            <a:extLst>
+              <a:ext uri="{FF2B5EF4-FFF2-40B4-BE49-F238E27FC236}">
+                <a16:creationId xmlns:a16="http://schemas.microsoft.com/office/drawing/2014/main" id="{F5239070-CA09-D6FF-1871-CA7E75EB9856}"/>
+              </a:ext>
+            </a:extLst>
+          </p:cNvPr>
+          <p:cNvSpPr>
+            <a:spLocks noGrp="1"/>
+          </p:cNvSpPr>
+          <p:nvPr>
+            <p:ph type="sldNum" sz="quarter" idx="12"/>
+          </p:nvPr>
+        </p:nvSpPr>
+        <p:spPr/>
+        <p:txBody>
+          <a:bodyPr/>
+          <a:lstStyle/>
+          <a:p>
+            <a:pPr rtl="0"/>
+            <a:fld id="{A49DFD55-3C28-40EF-9E31-A92D2E4017FF}" type="slidenum">
+              <a:rPr lang="en-US" altLang="zh-CN" smtClean="0"/>
+              <a:pPr rtl="0"/>
+              <a:t>22</a:t>
+            </a:fld>
+            <a:endParaRPr lang="zh-CN" dirty="0"/>
+          </a:p>
+        </p:txBody>
+      </p:sp>
+    </p:spTree>
+    <p:extLst>
+      <p:ext uri="{BB962C8B-B14F-4D97-AF65-F5344CB8AC3E}">
+        <p14:creationId xmlns:p14="http://schemas.microsoft.com/office/powerpoint/2010/main" val="893823121"/>
       </p:ext>
     </p:extLst>
   </p:cSld>
@@ -16924,13 +17196,13 @@
   <p:clrMapOvr>
     <a:masterClrMapping/>
   </p:clrMapOvr>
-  <mc:AlternateContent xmlns:mc="http://schemas.openxmlformats.org/markup-compatibility/2006">
-    <mc:Choice xmlns:p159="http://schemas.microsoft.com/office/powerpoint/2015/09/main" Requires="p159">
+  <mc:AlternateContent xmlns:mc="http://schemas.openxmlformats.org/markup-compatibility/2006" xmlns:p159="http://schemas.microsoft.com/office/powerpoint/2015/09/main">
+    <mc:Choice Requires="p159">
       <p:transition xmlns:p14="http://schemas.microsoft.com/office/powerpoint/2010/main" spd="slow" p14:dur="2000">
         <p159:morph option="byWord"/>
       </p:transition>
     </mc:Choice>
-    <mc:Fallback>
+    <mc:Fallback xmlns="">
       <p:transition spd="slow">
         <p:fade/>
       </p:transition>
@@ -17334,13 +17606,13 @@
   <p:clrMapOvr>
     <a:masterClrMapping/>
   </p:clrMapOvr>
-  <mc:AlternateContent xmlns:mc="http://schemas.openxmlformats.org/markup-compatibility/2006">
-    <mc:Choice xmlns:p159="http://schemas.microsoft.com/office/powerpoint/2015/09/main" Requires="p159">
+  <mc:AlternateContent xmlns:mc="http://schemas.openxmlformats.org/markup-compatibility/2006" xmlns:p159="http://schemas.microsoft.com/office/powerpoint/2015/09/main">
+    <mc:Choice Requires="p159">
       <p:transition xmlns:p14="http://schemas.microsoft.com/office/powerpoint/2010/main" spd="slow" p14:dur="2000">
         <p159:morph option="byWord"/>
       </p:transition>
     </mc:Choice>
-    <mc:Fallback>
+    <mc:Fallback xmlns="">
       <p:transition spd="slow">
         <p:fade/>
       </p:transition>
@@ -17712,13 +17984,13 @@
   <p:clrMapOvr>
     <a:masterClrMapping/>
   </p:clrMapOvr>
-  <mc:AlternateContent xmlns:mc="http://schemas.openxmlformats.org/markup-compatibility/2006">
-    <mc:Choice xmlns:p159="http://schemas.microsoft.com/office/powerpoint/2015/09/main" Requires="p159">
+  <mc:AlternateContent xmlns:mc="http://schemas.openxmlformats.org/markup-compatibility/2006" xmlns:p159="http://schemas.microsoft.com/office/powerpoint/2015/09/main">
+    <mc:Choice Requires="p159">
       <p:transition xmlns:p14="http://schemas.microsoft.com/office/powerpoint/2010/main" spd="slow" p14:dur="2000">
         <p159:morph option="byWord"/>
       </p:transition>
     </mc:Choice>
-    <mc:Fallback>
+    <mc:Fallback xmlns="">
       <p:transition spd="slow">
         <p:fade/>
       </p:transition>
@@ -18121,13 +18393,13 @@
   <p:clrMapOvr>
     <a:masterClrMapping/>
   </p:clrMapOvr>
-  <mc:AlternateContent xmlns:mc="http://schemas.openxmlformats.org/markup-compatibility/2006">
-    <mc:Choice xmlns:p159="http://schemas.microsoft.com/office/powerpoint/2015/09/main" Requires="p159">
+  <mc:AlternateContent xmlns:mc="http://schemas.openxmlformats.org/markup-compatibility/2006" xmlns:p159="http://schemas.microsoft.com/office/powerpoint/2015/09/main">
+    <mc:Choice Requires="p159">
       <p:transition xmlns:p14="http://schemas.microsoft.com/office/powerpoint/2010/main" spd="slow" p14:dur="2000">
         <p159:morph option="byWord"/>
       </p:transition>
     </mc:Choice>
-    <mc:Fallback>
+    <mc:Fallback xmlns="">
       <p:transition spd="slow">
         <p:fade/>
       </p:transition>
@@ -18211,13 +18483,13 @@
   <p:clrMapOvr>
     <a:masterClrMapping/>
   </p:clrMapOvr>
-  <mc:AlternateContent xmlns:mc="http://schemas.openxmlformats.org/markup-compatibility/2006">
-    <mc:Choice xmlns:p159="http://schemas.microsoft.com/office/powerpoint/2015/09/main" Requires="p159">
+  <mc:AlternateContent xmlns:mc="http://schemas.openxmlformats.org/markup-compatibility/2006" xmlns:p159="http://schemas.microsoft.com/office/powerpoint/2015/09/main">
+    <mc:Choice Requires="p159">
       <p:transition xmlns:p14="http://schemas.microsoft.com/office/powerpoint/2010/main" spd="slow" p14:dur="2000">
         <p159:morph option="byWord"/>
       </p:transition>
     </mc:Choice>
-    <mc:Fallback>
+    <mc:Fallback xmlns="">
       <p:transition spd="slow">
         <p:fade/>
       </p:transition>
@@ -18413,13 +18685,13 @@
   <p:clrMapOvr>
     <a:masterClrMapping/>
   </p:clrMapOvr>
-  <mc:AlternateContent xmlns:mc="http://schemas.openxmlformats.org/markup-compatibility/2006">
-    <mc:Choice xmlns:p159="http://schemas.microsoft.com/office/powerpoint/2015/09/main" Requires="p159">
+  <mc:AlternateContent xmlns:mc="http://schemas.openxmlformats.org/markup-compatibility/2006" xmlns:p159="http://schemas.microsoft.com/office/powerpoint/2015/09/main">
+    <mc:Choice Requires="p159">
       <p:transition xmlns:p14="http://schemas.microsoft.com/office/powerpoint/2010/main" spd="slow" p14:dur="2000">
         <p159:morph option="byWord"/>
       </p:transition>
     </mc:Choice>
-    <mc:Fallback>
+    <mc:Fallback xmlns="">
       <p:transition spd="slow">
         <p:fade/>
       </p:transition>
@@ -18611,8 +18883,8 @@
           </a:p>
         </p:txBody>
       </p:sp>
-      <mc:AlternateContent xmlns:mc="http://schemas.openxmlformats.org/markup-compatibility/2006">
-        <mc:Choice xmlns:a14="http://schemas.microsoft.com/office/drawing/2010/main" Requires="a14">
+      <mc:AlternateContent xmlns:mc="http://schemas.openxmlformats.org/markup-compatibility/2006" xmlns:a14="http://schemas.microsoft.com/office/drawing/2010/main">
+        <mc:Choice Requires="a14">
           <p:sp>
             <p:nvSpPr>
               <p:cNvPr id="4" name="文本框 3">
@@ -18939,7 +19211,7 @@
             </p:txBody>
           </p:sp>
         </mc:Choice>
-        <mc:Fallback>
+        <mc:Fallback xmlns="">
           <p:sp>
             <p:nvSpPr>
               <p:cNvPr id="4" name="文本框 3">
@@ -18984,8 +19256,8 @@
           </p:sp>
         </mc:Fallback>
       </mc:AlternateContent>
-      <mc:AlternateContent xmlns:mc="http://schemas.openxmlformats.org/markup-compatibility/2006">
-        <mc:Choice xmlns:a14="http://schemas.microsoft.com/office/drawing/2010/main" Requires="a14">
+      <mc:AlternateContent xmlns:mc="http://schemas.openxmlformats.org/markup-compatibility/2006" xmlns:a14="http://schemas.microsoft.com/office/drawing/2010/main">
+        <mc:Choice Requires="a14">
           <p:sp>
             <p:nvSpPr>
               <p:cNvPr id="5" name="文本框 4">
@@ -19014,6 +19286,7 @@
               </a:bodyPr>
               <a:lstStyle/>
               <a:p>
+                <a:pPr/>
                 <a14:m>
                   <m:oMathPara xmlns:m="http://schemas.openxmlformats.org/officeDocument/2006/math">
                     <m:oMathParaPr>
@@ -19162,7 +19435,7 @@
             </p:txBody>
           </p:sp>
         </mc:Choice>
-        <mc:Fallback>
+        <mc:Fallback xmlns="">
           <p:sp>
             <p:nvSpPr>
               <p:cNvPr id="5" name="文本框 4">
@@ -19217,13 +19490,13 @@
   <p:clrMapOvr>
     <a:masterClrMapping/>
   </p:clrMapOvr>
-  <mc:AlternateContent xmlns:mc="http://schemas.openxmlformats.org/markup-compatibility/2006">
-    <mc:Choice xmlns:p159="http://schemas.microsoft.com/office/powerpoint/2015/09/main" Requires="p159">
+  <mc:AlternateContent xmlns:mc="http://schemas.openxmlformats.org/markup-compatibility/2006" xmlns:p159="http://schemas.microsoft.com/office/powerpoint/2015/09/main">
+    <mc:Choice Requires="p159">
       <p:transition xmlns:p14="http://schemas.microsoft.com/office/powerpoint/2010/main" spd="slow" p14:dur="2000">
         <p159:morph option="byWord"/>
       </p:transition>
     </mc:Choice>
-    <mc:Fallback>
+    <mc:Fallback xmlns="">
       <p:transition spd="slow">
         <p:fade/>
       </p:transition>
@@ -20336,15 +20609,6 @@
 </file>
 
 <file path=customXml/item2.xml><?xml version="1.0" encoding="utf-8"?>
-<?mso-contentType ?>
-<FormTemplates xmlns="http://schemas.microsoft.com/sharepoint/v3/contenttype/forms">
-  <Display>DocumentLibraryForm</Display>
-  <Edit>DocumentLibraryForm</Edit>
-  <New>DocumentLibraryForm</New>
-</FormTemplates>
-</file>
-
-<file path=customXml/item3.xml><?xml version="1.0" encoding="utf-8"?>
 <p:properties xmlns:p="http://schemas.microsoft.com/office/2006/metadata/properties" xmlns:xsi="http://www.w3.org/2001/XMLSchema-instance" xmlns:pc="http://schemas.microsoft.com/office/infopath/2007/PartnerControls">
   <documentManagement>
     <_ip_UnifiedCompliancePolicyUIAction xmlns="http://schemas.microsoft.com/sharepoint/v3" xsi:nil="true"/>
@@ -20362,6 +20626,15 @@
     <MediaServiceKeyPoints xmlns="71af3243-3dd4-4a8d-8c0d-dd76da1f02a5" xsi:nil="true"/>
   </documentManagement>
 </p:properties>
+</file>
+
+<file path=customXml/item3.xml><?xml version="1.0" encoding="utf-8"?>
+<?mso-contentType ?>
+<FormTemplates xmlns="http://schemas.microsoft.com/sharepoint/v3/contenttype/forms">
+  <Display>DocumentLibraryForm</Display>
+  <Edit>DocumentLibraryForm</Edit>
+  <New>DocumentLibraryForm</New>
+</FormTemplates>
 </file>
 
 <file path=customXml/itemProps1.xml><?xml version="1.0" encoding="utf-8"?>
@@ -20386,14 +20659,6 @@
 </file>
 
 <file path=customXml/itemProps2.xml><?xml version="1.0" encoding="utf-8"?>
-<ds:datastoreItem xmlns:ds="http://schemas.openxmlformats.org/officeDocument/2006/customXml" ds:itemID="{CABF691C-888B-4061-8A6F-D5CE84A0254B}">
-  <ds:schemaRefs>
-    <ds:schemaRef ds:uri="http://schemas.microsoft.com/sharepoint/v3/contenttype/forms"/>
-  </ds:schemaRefs>
-</ds:datastoreItem>
-</file>
-
-<file path=customXml/itemProps3.xml><?xml version="1.0" encoding="utf-8"?>
 <ds:datastoreItem xmlns:ds="http://schemas.openxmlformats.org/officeDocument/2006/customXml" ds:itemID="{49168DCE-134F-4610-A6AA-88CEBE8D71D2}">
   <ds:schemaRefs>
     <ds:schemaRef ds:uri="http://purl.org/dc/terms/"/>
@@ -20412,6 +20677,14 @@
 </ds:datastoreItem>
 </file>
 
+<file path=customXml/itemProps3.xml><?xml version="1.0" encoding="utf-8"?>
+<ds:datastoreItem xmlns:ds="http://schemas.openxmlformats.org/officeDocument/2006/customXml" ds:itemID="{CABF691C-888B-4061-8A6F-D5CE84A0254B}">
+  <ds:schemaRefs>
+    <ds:schemaRef ds:uri="http://schemas.microsoft.com/sharepoint/v3/contenttype/forms"/>
+  </ds:schemaRefs>
+</ds:datastoreItem>
+</file>
+
 <file path=docMetadata/LabelInfo.xml><?xml version="1.0" encoding="utf-8"?>
 <clbl:labelList xmlns:clbl="http://schemas.microsoft.com/office/2020/mipLabelMetadata"/>
 </file>